--- a/spring12/slidesS12/law-of-large-numbers.pptx
+++ b/spring12/slidesS12/law-of-large-numbers.pptx
@@ -3785,7 +3785,7 @@
               <a:rPr lang="en-US" sz="1200" i="0" dirty="0" smtClean="0">
                 <a:latin typeface="Comic Sans MS" pitchFamily="66" charset="0"/>
               </a:rPr>
-              <a:t>14W.</a:t>
+              <a:t>13W.</a:t>
             </a:r>
             <a:fld id="{8EFAB908-805A-4676-B0DE-7F22E787CA05}" type="slidenum">
               <a:rPr lang="en-US" sz="1200" i="0" smtClean="0">
@@ -3853,7 +3853,37 @@
                 <a:uFillTx/>
                 <a:latin typeface="Comic Sans MS" pitchFamily="66" charset="0"/>
               </a:rPr>
-              <a:t>Albert R Meyer,                May 9, 2012</a:t>
+              <a:t>Albert R Meyer,                May </a:t>
+            </a:r>
+            <a:r>
+              <a:rPr kumimoji="0" lang="en-US" sz="1200" b="0" i="0" u="none" strike="noStrike" kern="1200" cap="none" spc="0" normalizeH="0" baseline="0" noProof="0" dirty="0" smtClean="0">
+                <a:ln>
+                  <a:noFill/>
+                </a:ln>
+                <a:solidFill>
+                  <a:schemeClr val="tx1"/>
+                </a:solidFill>
+                <a:effectLst/>
+                <a:uLnTx/>
+                <a:uFillTx/>
+                <a:latin typeface="Comic Sans MS" pitchFamily="66" charset="0"/>
+              </a:rPr>
+              <a:t>9, </a:t>
+            </a:r>
+            <a:r>
+              <a:rPr kumimoji="0" lang="en-US" sz="1200" b="0" i="0" u="none" strike="noStrike" kern="1200" cap="none" spc="0" normalizeH="0" baseline="0" noProof="0" dirty="0" smtClean="0">
+                <a:ln>
+                  <a:noFill/>
+                </a:ln>
+                <a:solidFill>
+                  <a:schemeClr val="tx1"/>
+                </a:solidFill>
+                <a:effectLst/>
+                <a:uLnTx/>
+                <a:uFillTx/>
+                <a:latin typeface="Comic Sans MS" pitchFamily="66" charset="0"/>
+              </a:rPr>
+              <a:t>2012</a:t>
             </a:r>
             <a:endParaRPr kumimoji="0" lang="en-US" sz="1200" b="0" i="0" u="none" strike="noStrike" kern="1200" cap="none" spc="0" normalizeH="0" baseline="0" noProof="0" dirty="0">
               <a:ln>
@@ -5149,7 +5179,7 @@
           <a:graphicData uri="http://schemas.openxmlformats.org/presentationml/2006/ole">
             <mc:AlternateContent xmlns:mc="http://schemas.openxmlformats.org/markup-compatibility/2006">
               <mc:Choice xmlns:v="urn:schemas-microsoft-com:vml" Requires="v">
-                <p:oleObj spid="_x0000_s314401" name="Equation" r:id="rId3" imgW="1955800" imgH="228600" progId="Equation.DSMT4">
+                <p:oleObj spid="_x0000_s314410" name="Equation" r:id="rId3" imgW="1955800" imgH="228600" progId="Equation.DSMT4">
                   <p:embed/>
                 </p:oleObj>
               </mc:Choice>
@@ -6253,7 +6283,7 @@
           <a:graphicData uri="http://schemas.openxmlformats.org/presentationml/2006/ole">
             <mc:AlternateContent xmlns:mc="http://schemas.openxmlformats.org/markup-compatibility/2006">
               <mc:Choice xmlns:v="urn:schemas-microsoft-com:vml" Requires="v">
-                <p:oleObj spid="_x0000_s144438" name="Equation" r:id="rId5" imgW="1295400" imgH="355600" progId="Equation.DSMT4">
+                <p:oleObj spid="_x0000_s144453" name="Equation" r:id="rId5" imgW="1295400" imgH="355600" progId="Equation.DSMT4">
                   <p:embed/>
                 </p:oleObj>
               </mc:Choice>
@@ -6555,7 +6585,7 @@
           <a:graphicData uri="http://schemas.openxmlformats.org/presentationml/2006/ole">
             <mc:AlternateContent xmlns:mc="http://schemas.openxmlformats.org/markup-compatibility/2006">
               <mc:Choice xmlns:v="urn:schemas-microsoft-com:vml" Requires="v">
-                <p:oleObj spid="_x0000_s144439" name="Equation" r:id="rId7" imgW="1524000" imgH="495300" progId="Equation.DSMT4">
+                <p:oleObj spid="_x0000_s144454" name="Equation" r:id="rId7" imgW="1524000" imgH="495300" progId="Equation.DSMT4">
                   <p:embed/>
                 </p:oleObj>
               </mc:Choice>
@@ -6976,7 +7006,7 @@
           <a:graphicData uri="http://schemas.openxmlformats.org/presentationml/2006/ole">
             <mc:AlternateContent xmlns:mc="http://schemas.openxmlformats.org/markup-compatibility/2006">
               <mc:Choice xmlns:v="urn:schemas-microsoft-com:vml" Requires="v">
-                <p:oleObj spid="_x0000_s187468" name="Equation" r:id="rId4" imgW="1092200" imgH="355600" progId="Equation.DSMT4">
+                <p:oleObj spid="_x0000_s187489" name="Equation" r:id="rId4" imgW="1092200" imgH="355600" progId="Equation.DSMT4">
                   <p:embed/>
                 </p:oleObj>
               </mc:Choice>
@@ -7046,7 +7076,7 @@
           <a:graphicData uri="http://schemas.openxmlformats.org/presentationml/2006/ole">
             <mc:AlternateContent xmlns:mc="http://schemas.openxmlformats.org/markup-compatibility/2006">
               <mc:Choice xmlns:v="urn:schemas-microsoft-com:vml" Requires="v">
-                <p:oleObj spid="_x0000_s187469" name="Equation" r:id="rId6" imgW="1117600" imgH="444500" progId="Equation.DSMT4">
+                <p:oleObj spid="_x0000_s187490" name="Equation" r:id="rId6" imgW="1117600" imgH="444500" progId="Equation.DSMT4">
                   <p:embed/>
                 </p:oleObj>
               </mc:Choice>
@@ -7284,7 +7314,7 @@
           <a:graphicData uri="http://schemas.openxmlformats.org/presentationml/2006/ole">
             <mc:AlternateContent xmlns:mc="http://schemas.openxmlformats.org/markup-compatibility/2006">
               <mc:Choice xmlns:v="urn:schemas-microsoft-com:vml" Requires="v">
-                <p:oleObj spid="_x0000_s187470" name="Equation" r:id="rId8" imgW="1473120" imgH="431640" progId="Equation.DSMT4">
+                <p:oleObj spid="_x0000_s187491" name="Equation" r:id="rId8" imgW="1473120" imgH="431640" progId="Equation.DSMT4">
                   <p:embed/>
                 </p:oleObj>
               </mc:Choice>
@@ -7987,7 +8017,7 @@
           <a:graphicData uri="http://schemas.openxmlformats.org/presentationml/2006/ole">
             <mc:AlternateContent xmlns:mc="http://schemas.openxmlformats.org/markup-compatibility/2006">
               <mc:Choice xmlns:v="urn:schemas-microsoft-com:vml" Requires="v">
-                <p:oleObj spid="_x0000_s169033" name="Equation" r:id="rId5" imgW="1498600" imgH="342900" progId="Equation.DSMT4">
+                <p:oleObj spid="_x0000_s169042" name="Equation" r:id="rId5" imgW="1498600" imgH="342900" progId="Equation.DSMT4">
                   <p:embed/>
                 </p:oleObj>
               </mc:Choice>
@@ -8766,7 +8796,7 @@
           <a:graphicData uri="http://schemas.openxmlformats.org/presentationml/2006/ole">
             <mc:AlternateContent xmlns:mc="http://schemas.openxmlformats.org/markup-compatibility/2006">
               <mc:Choice xmlns:v="urn:schemas-microsoft-com:vml" Requires="v">
-                <p:oleObj spid="_x0000_s185382" name="Equation" r:id="rId4" imgW="1524000" imgH="342900" progId="Equation.DSMT4">
+                <p:oleObj spid="_x0000_s185391" name="Equation" r:id="rId4" imgW="1524000" imgH="342900" progId="Equation.DSMT4">
                   <p:embed/>
                 </p:oleObj>
               </mc:Choice>
@@ -8985,7 +9015,7 @@
           <a:graphicData uri="http://schemas.openxmlformats.org/presentationml/2006/ole">
             <mc:AlternateContent xmlns:mc="http://schemas.openxmlformats.org/markup-compatibility/2006">
               <mc:Choice xmlns:v="urn:schemas-microsoft-com:vml" Requires="v">
-                <p:oleObj spid="_x0000_s146511" name="Equation" r:id="rId5" imgW="673100" imgH="469900" progId="Equation.DSMT4">
+                <p:oleObj spid="_x0000_s146532" name="Equation" r:id="rId5" imgW="673100" imgH="469900" progId="Equation.DSMT4">
                   <p:embed/>
                 </p:oleObj>
               </mc:Choice>
@@ -9061,7 +9091,7 @@
           <a:graphicData uri="http://schemas.openxmlformats.org/presentationml/2006/ole">
             <mc:AlternateContent xmlns:mc="http://schemas.openxmlformats.org/markup-compatibility/2006">
               <mc:Choice xmlns:v="urn:schemas-microsoft-com:vml" Requires="v">
-                <p:oleObj spid="_x0000_s146512" name="Equation" r:id="rId7" imgW="2019300" imgH="584200" progId="Equation.DSMT4">
+                <p:oleObj spid="_x0000_s146533" name="Equation" r:id="rId7" imgW="2019300" imgH="584200" progId="Equation.DSMT4">
                   <p:embed/>
                 </p:oleObj>
               </mc:Choice>
@@ -9246,7 +9276,7 @@
           <a:graphicData uri="http://schemas.openxmlformats.org/presentationml/2006/ole">
             <mc:AlternateContent xmlns:mc="http://schemas.openxmlformats.org/markup-compatibility/2006">
               <mc:Choice xmlns:v="urn:schemas-microsoft-com:vml" Requires="v">
-                <p:oleObj spid="_x0000_s146513" name="Equation" r:id="rId9" imgW="1943100" imgH="533400" progId="Equation.DSMT4">
+                <p:oleObj spid="_x0000_s146534" name="Equation" r:id="rId9" imgW="1943100" imgH="533400" progId="Equation.DSMT4">
                   <p:embed/>
                 </p:oleObj>
               </mc:Choice>
@@ -9573,7 +9603,7 @@
           <a:graphicData uri="http://schemas.openxmlformats.org/presentationml/2006/ole">
             <mc:AlternateContent xmlns:mc="http://schemas.openxmlformats.org/markup-compatibility/2006">
               <mc:Choice xmlns:v="urn:schemas-microsoft-com:vml" Requires="v">
-                <p:oleObj spid="_x0000_s209955" name="Equation" r:id="rId5" imgW="1790700" imgH="546100" progId="Equation.DSMT4">
+                <p:oleObj spid="_x0000_s209964" name="Equation" r:id="rId5" imgW="1790700" imgH="546100" progId="Equation.DSMT4">
                   <p:embed/>
                 </p:oleObj>
               </mc:Choice>
@@ -10778,7 +10808,7 @@
           <a:graphicData uri="http://schemas.openxmlformats.org/presentationml/2006/ole">
             <mc:AlternateContent xmlns:mc="http://schemas.openxmlformats.org/markup-compatibility/2006">
               <mc:Choice xmlns:v="urn:schemas-microsoft-com:vml" Requires="v">
-                <p:oleObj spid="_x0000_s150605" name="Equation" r:id="rId5" imgW="2336800" imgH="673100" progId="Equation.DSMT4">
+                <p:oleObj spid="_x0000_s150626" name="Equation" r:id="rId5" imgW="2336800" imgH="673100" progId="Equation.DSMT4">
                   <p:embed/>
                 </p:oleObj>
               </mc:Choice>
@@ -10848,7 +10878,7 @@
           <a:graphicData uri="http://schemas.openxmlformats.org/presentationml/2006/ole">
             <mc:AlternateContent xmlns:mc="http://schemas.openxmlformats.org/markup-compatibility/2006">
               <mc:Choice xmlns:v="urn:schemas-microsoft-com:vml" Requires="v">
-                <p:oleObj spid="_x0000_s150606" name="Equation" r:id="rId7" imgW="2527300" imgH="571500" progId="Equation.DSMT4">
+                <p:oleObj spid="_x0000_s150627" name="Equation" r:id="rId7" imgW="2527300" imgH="571500" progId="Equation.DSMT4">
                   <p:embed/>
                 </p:oleObj>
               </mc:Choice>
@@ -10946,7 +10976,7 @@
           <a:graphicData uri="http://schemas.openxmlformats.org/presentationml/2006/ole">
             <mc:AlternateContent xmlns:mc="http://schemas.openxmlformats.org/markup-compatibility/2006">
               <mc:Choice xmlns:v="urn:schemas-microsoft-com:vml" Requires="v">
-                <p:oleObj spid="_x0000_s150607" name="Equation" r:id="rId9" imgW="787320" imgH="444240" progId="Equation.DSMT4">
+                <p:oleObj spid="_x0000_s150628" name="Equation" r:id="rId9" imgW="787320" imgH="444240" progId="Equation.DSMT4">
                   <p:embed/>
                 </p:oleObj>
               </mc:Choice>
@@ -12572,7 +12602,7 @@
           <a:graphicData uri="http://schemas.openxmlformats.org/presentationml/2006/ole">
             <mc:AlternateContent xmlns:mc="http://schemas.openxmlformats.org/markup-compatibility/2006">
               <mc:Choice xmlns:v="urn:schemas-microsoft-com:vml" Requires="v">
-                <p:oleObj spid="_x0000_s154683" name="Equation" r:id="rId5" imgW="1816100" imgH="330200" progId="Equation.DSMT4">
+                <p:oleObj spid="_x0000_s154698" name="Equation" r:id="rId5" imgW="1816100" imgH="330200" progId="Equation.DSMT4">
                   <p:embed/>
                 </p:oleObj>
               </mc:Choice>
@@ -12636,7 +12666,7 @@
           <a:graphicData uri="http://schemas.openxmlformats.org/presentationml/2006/ole">
             <mc:AlternateContent xmlns:mc="http://schemas.openxmlformats.org/markup-compatibility/2006">
               <mc:Choice xmlns:v="urn:schemas-microsoft-com:vml" Requires="v">
-                <p:oleObj spid="_x0000_s154684" name="Equation" r:id="rId7" imgW="1714500" imgH="596900" progId="Equation.DSMT4">
+                <p:oleObj spid="_x0000_s154699" name="Equation" r:id="rId7" imgW="1714500" imgH="596900" progId="Equation.DSMT4">
                   <p:embed/>
                 </p:oleObj>
               </mc:Choice>
@@ -14215,7 +14245,7 @@
           <a:graphicData uri="http://schemas.openxmlformats.org/presentationml/2006/ole">
             <mc:AlternateContent xmlns:mc="http://schemas.openxmlformats.org/markup-compatibility/2006">
               <mc:Choice xmlns:v="urn:schemas-microsoft-com:vml" Requires="v">
-                <p:oleObj spid="_x0000_s213051" name="Equation" r:id="rId5" imgW="1295400" imgH="469900" progId="Equation.DSMT4">
+                <p:oleObj spid="_x0000_s213066" name="Equation" r:id="rId5" imgW="1295400" imgH="469900" progId="Equation.DSMT4">
                   <p:embed/>
                 </p:oleObj>
               </mc:Choice>
@@ -14285,7 +14315,7 @@
           <a:graphicData uri="http://schemas.openxmlformats.org/presentationml/2006/ole">
             <mc:AlternateContent xmlns:mc="http://schemas.openxmlformats.org/markup-compatibility/2006">
               <mc:Choice xmlns:v="urn:schemas-microsoft-com:vml" Requires="v">
-                <p:oleObj spid="_x0000_s213052" name="Equation" r:id="rId7" imgW="1828800" imgH="469900" progId="Equation.DSMT4">
+                <p:oleObj spid="_x0000_s213067" name="Equation" r:id="rId7" imgW="1828800" imgH="469900" progId="Equation.DSMT4">
                   <p:embed/>
                 </p:oleObj>
               </mc:Choice>
@@ -14512,7 +14542,7 @@
           <a:graphicData uri="http://schemas.openxmlformats.org/presentationml/2006/ole">
             <mc:AlternateContent xmlns:mc="http://schemas.openxmlformats.org/markup-compatibility/2006">
               <mc:Choice xmlns:v="urn:schemas-microsoft-com:vml" Requires="v">
-                <p:oleObj spid="_x0000_s319548" name="Equation" r:id="rId4" imgW="1828800" imgH="469900" progId="Equation.DSMT4">
+                <p:oleObj spid="_x0000_s319563" name="Equation" r:id="rId4" imgW="1828800" imgH="469900" progId="Equation.DSMT4">
                   <p:embed/>
                 </p:oleObj>
               </mc:Choice>
@@ -14730,7 +14760,7 @@
           <a:graphicData uri="http://schemas.openxmlformats.org/presentationml/2006/ole">
             <mc:AlternateContent xmlns:mc="http://schemas.openxmlformats.org/markup-compatibility/2006">
               <mc:Choice xmlns:v="urn:schemas-microsoft-com:vml" Requires="v">
-                <p:oleObj spid="_x0000_s319549" name="Equation" r:id="rId7" imgW="1638300" imgH="469900" progId="Equation.DSMT4">
+                <p:oleObj spid="_x0000_s319564" name="Equation" r:id="rId7" imgW="1638300" imgH="469900" progId="Equation.DSMT4">
                   <p:embed/>
                 </p:oleObj>
               </mc:Choice>
@@ -15088,7 +15118,7 @@
           <a:graphicData uri="http://schemas.openxmlformats.org/presentationml/2006/ole">
             <mc:AlternateContent xmlns:mc="http://schemas.openxmlformats.org/markup-compatibility/2006">
               <mc:Choice xmlns:v="urn:schemas-microsoft-com:vml" Requires="v">
-                <p:oleObj spid="_x0000_s323619" name="Equation" r:id="rId5" imgW="1638300" imgH="469900" progId="Equation.DSMT4">
+                <p:oleObj spid="_x0000_s323628" name="Equation" r:id="rId5" imgW="1638300" imgH="469900" progId="Equation.DSMT4">
                   <p:embed/>
                 </p:oleObj>
               </mc:Choice>
@@ -15321,7 +15351,7 @@
           <a:graphicData uri="http://schemas.openxmlformats.org/presentationml/2006/ole">
             <mc:AlternateContent xmlns:mc="http://schemas.openxmlformats.org/markup-compatibility/2006">
               <mc:Choice xmlns:v="urn:schemas-microsoft-com:vml" Requires="v">
-                <p:oleObj spid="_x0000_s312353" name="Equation" r:id="rId3" imgW="1790700" imgH="469900" progId="Equation.DSMT4">
+                <p:oleObj spid="_x0000_s312362" name="Equation" r:id="rId3" imgW="1790700" imgH="469900" progId="Equation.DSMT4">
                   <p:embed/>
                 </p:oleObj>
               </mc:Choice>
@@ -15996,7 +16026,7 @@
           <a:graphicData uri="http://schemas.openxmlformats.org/presentationml/2006/ole">
             <mc:AlternateContent xmlns:mc="http://schemas.openxmlformats.org/markup-compatibility/2006">
               <mc:Choice xmlns:v="urn:schemas-microsoft-com:vml" Requires="v">
-                <p:oleObj spid="_x0000_s317493" name="Equation" r:id="rId4" imgW="1524000" imgH="469900" progId="Equation.DSMT4">
+                <p:oleObj spid="_x0000_s317508" name="Equation" r:id="rId4" imgW="1524000" imgH="469900" progId="Equation.DSMT4">
                   <p:embed/>
                 </p:oleObj>
               </mc:Choice>
@@ -16098,7 +16128,7 @@
           <a:graphicData uri="http://schemas.openxmlformats.org/presentationml/2006/ole">
             <mc:AlternateContent xmlns:mc="http://schemas.openxmlformats.org/markup-compatibility/2006">
               <mc:Choice xmlns:v="urn:schemas-microsoft-com:vml" Requires="v">
-                <p:oleObj spid="_x0000_s317494" name="Equation" r:id="rId6" imgW="1943100" imgH="228600" progId="Equation.DSMT4">
+                <p:oleObj spid="_x0000_s317509" name="Equation" r:id="rId6" imgW="1943100" imgH="228600" progId="Equation.DSMT4">
                   <p:embed/>
                 </p:oleObj>
               </mc:Choice>
@@ -16357,7 +16387,7 @@
           <a:graphicData uri="http://schemas.openxmlformats.org/presentationml/2006/ole">
             <mc:AlternateContent xmlns:mc="http://schemas.openxmlformats.org/markup-compatibility/2006">
               <mc:Choice xmlns:v="urn:schemas-microsoft-com:vml" Requires="v">
-                <p:oleObj spid="_x0000_s313377" name="Equation" r:id="rId3" imgW="1981200" imgH="228600" progId="Equation.DSMT4">
+                <p:oleObj spid="_x0000_s313386" name="Equation" r:id="rId3" imgW="1981200" imgH="228600" progId="Equation.DSMT4">
                   <p:embed/>
                 </p:oleObj>
               </mc:Choice>
